--- a/slides/DR8.3 hosting on azure.pptx
+++ b/slides/DR8.3 hosting on azure.pptx
@@ -106,6 +106,11 @@
       </a:defRPr>
     </a:lvl9pPr>
   </p:defaultTextStyle>
+  <p:extLst>
+    <p:ext uri="{EFAFB233-063F-42B5-8137-9DF3F51BA10A}">
+      <p15:sldGuideLst xmlns:p15="http://schemas.microsoft.com/office/powerpoint/2012/main"/>
+    </p:ext>
+  </p:extLst>
 </p:presentation>
 </file>
 
@@ -512,7 +517,7 @@
           <a:p>
             <a:fld id="{83284890-85D2-4D7B-8EF5-15A9C1DB8F42}" type="datetimeFigureOut">
               <a:rPr lang="en-US" dirty="0"/>
-              <a:t>11/20/2019</a:t>
+              <a:t>11/21/2019</a:t>
             </a:fld>
             <a:endParaRPr lang="en-US" dirty="0"/>
           </a:p>
@@ -687,7 +692,7 @@
           <a:p>
             <a:fld id="{87157CC2-0FC8-4686-B024-99790E0F5162}" type="datetimeFigureOut">
               <a:rPr lang="en-US" dirty="0"/>
-              <a:t>11/20/2019</a:t>
+              <a:t>11/21/2019</a:t>
             </a:fld>
             <a:endParaRPr lang="en-US" dirty="0"/>
           </a:p>
@@ -862,7 +867,7 @@
           <a:p>
             <a:fld id="{F6764DA5-CD3D-4590-A511-FCD3BC7A793E}" type="datetimeFigureOut">
               <a:rPr lang="en-US" dirty="0"/>
-              <a:t>11/20/2019</a:t>
+              <a:t>11/21/2019</a:t>
             </a:fld>
             <a:endParaRPr lang="en-US" dirty="0"/>
           </a:p>
@@ -1027,7 +1032,7 @@
           <a:p>
             <a:fld id="{82F5661D-6934-4B32-B92C-470368BF1EC6}" type="datetimeFigureOut">
               <a:rPr lang="en-US" dirty="0"/>
-              <a:t>11/20/2019</a:t>
+              <a:t>11/21/2019</a:t>
             </a:fld>
             <a:endParaRPr lang="en-US" dirty="0"/>
           </a:p>
@@ -1335,7 +1340,7 @@
           <a:p>
             <a:fld id="{C6F822A4-8DA6-4447-9B1F-C5DB58435268}" type="datetimeFigureOut">
               <a:rPr lang="en-US" dirty="0"/>
-              <a:t>11/20/2019</a:t>
+              <a:t>11/21/2019</a:t>
             </a:fld>
             <a:endParaRPr lang="en-US" dirty="0"/>
           </a:p>
@@ -1717,7 +1722,7 @@
           <a:p>
             <a:fld id="{E548D31E-DCDA-41A7-9C67-C4B11B94D21D}" type="datetimeFigureOut">
               <a:rPr lang="en-US" dirty="0"/>
-              <a:t>11/20/2019</a:t>
+              <a:t>11/21/2019</a:t>
             </a:fld>
             <a:endParaRPr lang="en-US" dirty="0"/>
           </a:p>
@@ -2146,7 +2151,7 @@
           <a:p>
             <a:fld id="{9B3762C0-B258-48F1-ADE6-176B4174CCDD}" type="datetimeFigureOut">
               <a:rPr lang="en-US" dirty="0"/>
-              <a:t>11/20/2019</a:t>
+              <a:t>11/21/2019</a:t>
             </a:fld>
             <a:endParaRPr lang="en-US" dirty="0"/>
           </a:p>
@@ -2259,7 +2264,7 @@
           <a:p>
             <a:fld id="{677919A6-33EB-49BD-A62F-1FA56B9F9712}" type="datetimeFigureOut">
               <a:rPr lang="en-US" dirty="0"/>
-              <a:t>11/20/2019</a:t>
+              <a:t>11/21/2019</a:t>
             </a:fld>
             <a:endParaRPr lang="en-US" dirty="0"/>
           </a:p>
@@ -2349,7 +2354,7 @@
           <a:p>
             <a:fld id="{CA4E7D1B-D673-4CF6-8672-009D42ABD2A0}" type="datetimeFigureOut">
               <a:rPr lang="en-US" dirty="0"/>
-              <a:t>11/20/2019</a:t>
+              <a:t>11/21/2019</a:t>
             </a:fld>
             <a:endParaRPr lang="en-US" dirty="0"/>
           </a:p>
@@ -2694,7 +2699,7 @@
           <a:p>
             <a:fld id="{DA16AA21-1863-4931-97CB-99D0A168701B}" type="datetimeFigureOut">
               <a:rPr lang="en-US" dirty="0"/>
-              <a:t>11/20/2019</a:t>
+              <a:t>11/21/2019</a:t>
             </a:fld>
             <a:endParaRPr lang="en-US" dirty="0"/>
           </a:p>
@@ -3114,7 +3119,7 @@
           <a:p>
             <a:fld id="{3772C379-9A7C-4C87-A116-CBE9F58B04C5}" type="datetimeFigureOut">
               <a:rPr lang="en-US" dirty="0"/>
-              <a:t>11/20/2019</a:t>
+              <a:t>11/21/2019</a:t>
             </a:fld>
             <a:endParaRPr lang="en-US" dirty="0"/>
           </a:p>
@@ -3390,7 +3395,7 @@
           <a:p>
             <a:fld id="{8664C608-40B1-4030-A28D-5B74BC98ADCE}" type="datetimeFigureOut">
               <a:rPr lang="en-US" dirty="0"/>
-              <a:t>11/20/2019</a:t>
+              <a:t>11/21/2019</a:t>
             </a:fld>
             <a:endParaRPr lang="en-US" dirty="0"/>
           </a:p>
@@ -3986,7 +3991,15 @@
           <a:p>
             <a:r>
               <a:rPr lang="en-IE" sz="8000" dirty="0"/>
-              <a:t>DR8.3 </a:t>
+              <a:t>DR8.3</a:t>
+            </a:r>
+            <a:r>
+              <a:rPr lang="en-IE" sz="2000" dirty="0"/>
+              <a:t>a</a:t>
+            </a:r>
+            <a:r>
+              <a:rPr lang="en-IE" sz="8000" dirty="0"/>
+              <a:t> </a:t>
             </a:r>
             <a:r>
               <a:rPr lang="en-IE" sz="8000" dirty="0" err="1"/>
